--- a/slides/Python course 1_formula.pptx
+++ b/slides/Python course 1_formula.pptx
@@ -13,9 +13,9 @@
     <p:sldId id="260" r:id="rId7"/>
     <p:sldId id="261" r:id="rId8"/>
     <p:sldId id="262" r:id="rId9"/>
-    <p:sldId id="264" r:id="rId10"/>
-    <p:sldId id="265" r:id="rId11"/>
-    <p:sldId id="266" r:id="rId12"/>
+    <p:sldId id="265" r:id="rId10"/>
+    <p:sldId id="266" r:id="rId11"/>
+    <p:sldId id="264" r:id="rId12"/>
     <p:sldId id="267" r:id="rId13"/>
     <p:sldId id="268" r:id="rId14"/>
     <p:sldId id="269" r:id="rId15"/>
@@ -301,7 +301,8 @@
           <a:p>
             <a:fld id="{9C517555-48FB-4D00-ACB2-309A4E9A5D55}" type="datetimeFigureOut">
               <a:rPr lang="zh-CN" altLang="en-US" smtClean="0"/>
-              <a:t>2018/1/31</a:t>
+              <a:pPr/>
+              <a:t>2018/2/1</a:t>
             </a:fld>
             <a:endParaRPr lang="zh-CN" altLang="en-US"/>
           </a:p>
@@ -343,6 +344,7 @@
           <a:p>
             <a:fld id="{F728C4E6-DBC7-4884-AB42-E0639DEBF937}" type="slidenum">
               <a:rPr lang="zh-CN" altLang="en-US" smtClean="0"/>
+              <a:pPr/>
               <a:t>‹#›</a:t>
             </a:fld>
             <a:endParaRPr lang="zh-CN" altLang="en-US"/>
@@ -466,7 +468,8 @@
           <a:p>
             <a:fld id="{9C517555-48FB-4D00-ACB2-309A4E9A5D55}" type="datetimeFigureOut">
               <a:rPr lang="zh-CN" altLang="en-US" smtClean="0"/>
-              <a:t>2018/1/31</a:t>
+              <a:pPr/>
+              <a:t>2018/2/1</a:t>
             </a:fld>
             <a:endParaRPr lang="zh-CN" altLang="en-US"/>
           </a:p>
@@ -508,6 +511,7 @@
           <a:p>
             <a:fld id="{F728C4E6-DBC7-4884-AB42-E0639DEBF937}" type="slidenum">
               <a:rPr lang="zh-CN" altLang="en-US" smtClean="0"/>
+              <a:pPr/>
               <a:t>‹#›</a:t>
             </a:fld>
             <a:endParaRPr lang="zh-CN" altLang="en-US"/>
@@ -641,7 +645,8 @@
           <a:p>
             <a:fld id="{9C517555-48FB-4D00-ACB2-309A4E9A5D55}" type="datetimeFigureOut">
               <a:rPr lang="zh-CN" altLang="en-US" smtClean="0"/>
-              <a:t>2018/1/31</a:t>
+              <a:pPr/>
+              <a:t>2018/2/1</a:t>
             </a:fld>
             <a:endParaRPr lang="zh-CN" altLang="en-US"/>
           </a:p>
@@ -683,6 +688,7 @@
           <a:p>
             <a:fld id="{F728C4E6-DBC7-4884-AB42-E0639DEBF937}" type="slidenum">
               <a:rPr lang="zh-CN" altLang="en-US" smtClean="0"/>
+              <a:pPr/>
               <a:t>‹#›</a:t>
             </a:fld>
             <a:endParaRPr lang="zh-CN" altLang="en-US"/>
@@ -806,7 +812,8 @@
           <a:p>
             <a:fld id="{9C517555-48FB-4D00-ACB2-309A4E9A5D55}" type="datetimeFigureOut">
               <a:rPr lang="zh-CN" altLang="en-US" smtClean="0"/>
-              <a:t>2018/1/31</a:t>
+              <a:pPr/>
+              <a:t>2018/2/1</a:t>
             </a:fld>
             <a:endParaRPr lang="zh-CN" altLang="en-US"/>
           </a:p>
@@ -848,6 +855,7 @@
           <a:p>
             <a:fld id="{F728C4E6-DBC7-4884-AB42-E0639DEBF937}" type="slidenum">
               <a:rPr lang="zh-CN" altLang="en-US" smtClean="0"/>
+              <a:pPr/>
               <a:t>‹#›</a:t>
             </a:fld>
             <a:endParaRPr lang="zh-CN" altLang="en-US"/>
@@ -1047,7 +1055,8 @@
           <a:p>
             <a:fld id="{9C517555-48FB-4D00-ACB2-309A4E9A5D55}" type="datetimeFigureOut">
               <a:rPr lang="zh-CN" altLang="en-US" smtClean="0"/>
-              <a:t>2018/1/31</a:t>
+              <a:pPr/>
+              <a:t>2018/2/1</a:t>
             </a:fld>
             <a:endParaRPr lang="zh-CN" altLang="en-US"/>
           </a:p>
@@ -1089,6 +1098,7 @@
           <a:p>
             <a:fld id="{F728C4E6-DBC7-4884-AB42-E0639DEBF937}" type="slidenum">
               <a:rPr lang="zh-CN" altLang="en-US" smtClean="0"/>
+              <a:pPr/>
               <a:t>‹#›</a:t>
             </a:fld>
             <a:endParaRPr lang="zh-CN" altLang="en-US"/>
@@ -1330,7 +1340,8 @@
           <a:p>
             <a:fld id="{9C517555-48FB-4D00-ACB2-309A4E9A5D55}" type="datetimeFigureOut">
               <a:rPr lang="zh-CN" altLang="en-US" smtClean="0"/>
-              <a:t>2018/1/31</a:t>
+              <a:pPr/>
+              <a:t>2018/2/1</a:t>
             </a:fld>
             <a:endParaRPr lang="zh-CN" altLang="en-US"/>
           </a:p>
@@ -1372,6 +1383,7 @@
           <a:p>
             <a:fld id="{F728C4E6-DBC7-4884-AB42-E0639DEBF937}" type="slidenum">
               <a:rPr lang="zh-CN" altLang="en-US" smtClean="0"/>
+              <a:pPr/>
               <a:t>‹#›</a:t>
             </a:fld>
             <a:endParaRPr lang="zh-CN" altLang="en-US"/>
@@ -1747,7 +1759,8 @@
           <a:p>
             <a:fld id="{9C517555-48FB-4D00-ACB2-309A4E9A5D55}" type="datetimeFigureOut">
               <a:rPr lang="zh-CN" altLang="en-US" smtClean="0"/>
-              <a:t>2018/1/31</a:t>
+              <a:pPr/>
+              <a:t>2018/2/1</a:t>
             </a:fld>
             <a:endParaRPr lang="zh-CN" altLang="en-US"/>
           </a:p>
@@ -1789,6 +1802,7 @@
           <a:p>
             <a:fld id="{F728C4E6-DBC7-4884-AB42-E0639DEBF937}" type="slidenum">
               <a:rPr lang="zh-CN" altLang="en-US" smtClean="0"/>
+              <a:pPr/>
               <a:t>‹#›</a:t>
             </a:fld>
             <a:endParaRPr lang="zh-CN" altLang="en-US"/>
@@ -1860,7 +1874,8 @@
           <a:p>
             <a:fld id="{9C517555-48FB-4D00-ACB2-309A4E9A5D55}" type="datetimeFigureOut">
               <a:rPr lang="zh-CN" altLang="en-US" smtClean="0"/>
-              <a:t>2018/1/31</a:t>
+              <a:pPr/>
+              <a:t>2018/2/1</a:t>
             </a:fld>
             <a:endParaRPr lang="zh-CN" altLang="en-US"/>
           </a:p>
@@ -1902,6 +1917,7 @@
           <a:p>
             <a:fld id="{F728C4E6-DBC7-4884-AB42-E0639DEBF937}" type="slidenum">
               <a:rPr lang="zh-CN" altLang="en-US" smtClean="0"/>
+              <a:pPr/>
               <a:t>‹#›</a:t>
             </a:fld>
             <a:endParaRPr lang="zh-CN" altLang="en-US"/>
@@ -1950,7 +1966,8 @@
           <a:p>
             <a:fld id="{9C517555-48FB-4D00-ACB2-309A4E9A5D55}" type="datetimeFigureOut">
               <a:rPr lang="zh-CN" altLang="en-US" smtClean="0"/>
-              <a:t>2018/1/31</a:t>
+              <a:pPr/>
+              <a:t>2018/2/1</a:t>
             </a:fld>
             <a:endParaRPr lang="zh-CN" altLang="en-US"/>
           </a:p>
@@ -1992,6 +2009,7 @@
           <a:p>
             <a:fld id="{F728C4E6-DBC7-4884-AB42-E0639DEBF937}" type="slidenum">
               <a:rPr lang="zh-CN" altLang="en-US" smtClean="0"/>
+              <a:pPr/>
               <a:t>‹#›</a:t>
             </a:fld>
             <a:endParaRPr lang="zh-CN" altLang="en-US"/>
@@ -2222,7 +2240,8 @@
           <a:p>
             <a:fld id="{9C517555-48FB-4D00-ACB2-309A4E9A5D55}" type="datetimeFigureOut">
               <a:rPr lang="zh-CN" altLang="en-US" smtClean="0"/>
-              <a:t>2018/1/31</a:t>
+              <a:pPr/>
+              <a:t>2018/2/1</a:t>
             </a:fld>
             <a:endParaRPr lang="zh-CN" altLang="en-US"/>
           </a:p>
@@ -2264,6 +2283,7 @@
           <a:p>
             <a:fld id="{F728C4E6-DBC7-4884-AB42-E0639DEBF937}" type="slidenum">
               <a:rPr lang="zh-CN" altLang="en-US" smtClean="0"/>
+              <a:pPr/>
               <a:t>‹#›</a:t>
             </a:fld>
             <a:endParaRPr lang="zh-CN" altLang="en-US"/>
@@ -2470,7 +2490,8 @@
           <a:p>
             <a:fld id="{9C517555-48FB-4D00-ACB2-309A4E9A5D55}" type="datetimeFigureOut">
               <a:rPr lang="zh-CN" altLang="en-US" smtClean="0"/>
-              <a:t>2018/1/31</a:t>
+              <a:pPr/>
+              <a:t>2018/2/1</a:t>
             </a:fld>
             <a:endParaRPr lang="zh-CN" altLang="en-US"/>
           </a:p>
@@ -2512,6 +2533,7 @@
           <a:p>
             <a:fld id="{F728C4E6-DBC7-4884-AB42-E0639DEBF937}" type="slidenum">
               <a:rPr lang="zh-CN" altLang="en-US" smtClean="0"/>
+              <a:pPr/>
               <a:t>‹#›</a:t>
             </a:fld>
             <a:endParaRPr lang="zh-CN" altLang="en-US"/>
@@ -2678,7 +2700,8 @@
           <a:p>
             <a:fld id="{9C517555-48FB-4D00-ACB2-309A4E9A5D55}" type="datetimeFigureOut">
               <a:rPr lang="zh-CN" altLang="en-US" smtClean="0"/>
-              <a:t>2018/1/31</a:t>
+              <a:pPr/>
+              <a:t>2018/2/1</a:t>
             </a:fld>
             <a:endParaRPr lang="zh-CN" altLang="en-US"/>
           </a:p>
@@ -2756,6 +2779,7 @@
           <a:p>
             <a:fld id="{F728C4E6-DBC7-4884-AB42-E0639DEBF937}" type="slidenum">
               <a:rPr lang="zh-CN" altLang="en-US" smtClean="0"/>
+              <a:pPr/>
               <a:t>‹#›</a:t>
             </a:fld>
             <a:endParaRPr lang="zh-CN" altLang="en-US"/>
@@ -3121,70 +3145,6 @@
       </p:grpSpPr>
       <p:pic>
         <p:nvPicPr>
-          <p:cNvPr id="8195" name="Picture 3"/>
-          <p:cNvPicPr>
-            <a:picLocks noChangeAspect="1" noChangeArrowheads="1"/>
-          </p:cNvPicPr>
-          <p:nvPr/>
-        </p:nvPicPr>
-        <p:blipFill>
-          <a:blip r:embed="rId2" cstate="print"/>
-          <a:srcRect/>
-          <a:stretch>
-            <a:fillRect/>
-          </a:stretch>
-        </p:blipFill>
-        <p:spPr bwMode="auto">
-          <a:xfrm>
-            <a:off x="323528" y="620688"/>
-            <a:ext cx="8359149" cy="5343748"/>
-          </a:xfrm>
-          <a:prstGeom prst="rect">
-            <a:avLst/>
-          </a:prstGeom>
-          <a:noFill/>
-          <a:ln w="9525">
-            <a:noFill/>
-            <a:miter lim="800000"/>
-            <a:headEnd/>
-            <a:tailEnd/>
-          </a:ln>
-        </p:spPr>
-      </p:pic>
-    </p:spTree>
-  </p:cSld>
-  <p:clrMapOvr>
-    <a:masterClrMapping/>
-  </p:clrMapOvr>
-  <p:timing>
-    <p:tnLst>
-      <p:par>
-        <p:cTn id="1" dur="indefinite" restart="never" nodeType="tmRoot"/>
-      </p:par>
-    </p:tnLst>
-  </p:timing>
-</p:sld>
-</file>
-
-<file path=ppt/slides/slide11.xml><?xml version="1.0" encoding="utf-8"?>
-<p:sld xmlns:a="http://schemas.openxmlformats.org/drawingml/2006/main" xmlns:r="http://schemas.openxmlformats.org/officeDocument/2006/relationships" xmlns:p="http://schemas.openxmlformats.org/presentationml/2006/main">
-  <p:cSld>
-    <p:spTree>
-      <p:nvGrpSpPr>
-        <p:cNvPr id="1" name=""/>
-        <p:cNvGrpSpPr/>
-        <p:nvPr/>
-      </p:nvGrpSpPr>
-      <p:grpSpPr>
-        <a:xfrm>
-          <a:off x="0" y="0"/>
-          <a:ext cx="0" cy="0"/>
-          <a:chOff x="0" y="0"/>
-          <a:chExt cx="0" cy="0"/>
-        </a:xfrm>
-      </p:grpSpPr>
-      <p:pic>
-        <p:nvPicPr>
           <p:cNvPr id="9218" name="Picture 2"/>
           <p:cNvPicPr>
             <a:picLocks noChangeAspect="1" noChangeArrowheads="1"/>
@@ -3220,6 +3180,70 @@
   <p:clrMapOvr>
     <a:masterClrMapping/>
   </p:clrMapOvr>
+</p:sld>
+</file>
+
+<file path=ppt/slides/slide11.xml><?xml version="1.0" encoding="utf-8"?>
+<p:sld xmlns:a="http://schemas.openxmlformats.org/drawingml/2006/main" xmlns:r="http://schemas.openxmlformats.org/officeDocument/2006/relationships" xmlns:p="http://schemas.openxmlformats.org/presentationml/2006/main">
+  <p:cSld>
+    <p:spTree>
+      <p:nvGrpSpPr>
+        <p:cNvPr id="1" name=""/>
+        <p:cNvGrpSpPr/>
+        <p:nvPr/>
+      </p:nvGrpSpPr>
+      <p:grpSpPr>
+        <a:xfrm>
+          <a:off x="0" y="0"/>
+          <a:ext cx="0" cy="0"/>
+          <a:chOff x="0" y="0"/>
+          <a:chExt cx="0" cy="0"/>
+        </a:xfrm>
+      </p:grpSpPr>
+      <p:pic>
+        <p:nvPicPr>
+          <p:cNvPr id="7170" name="Picture 2"/>
+          <p:cNvPicPr>
+            <a:picLocks noChangeAspect="1" noChangeArrowheads="1"/>
+          </p:cNvPicPr>
+          <p:nvPr/>
+        </p:nvPicPr>
+        <p:blipFill>
+          <a:blip r:embed="rId2" cstate="print"/>
+          <a:srcRect/>
+          <a:stretch>
+            <a:fillRect/>
+          </a:stretch>
+        </p:blipFill>
+        <p:spPr bwMode="auto">
+          <a:xfrm>
+            <a:off x="-1" y="2276872"/>
+            <a:ext cx="9033823" cy="2526903"/>
+          </a:xfrm>
+          <a:prstGeom prst="rect">
+            <a:avLst/>
+          </a:prstGeom>
+          <a:noFill/>
+          <a:ln w="9525">
+            <a:noFill/>
+            <a:miter lim="800000"/>
+            <a:headEnd/>
+            <a:tailEnd/>
+          </a:ln>
+        </p:spPr>
+      </p:pic>
+    </p:spTree>
+  </p:cSld>
+  <p:clrMapOvr>
+    <a:masterClrMapping/>
+  </p:clrMapOvr>
+  <p:timing>
+    <p:tnLst>
+      <p:par>
+        <p:cTn id="1" dur="indefinite" restart="never" nodeType="tmRoot"/>
+      </p:par>
+    </p:tnLst>
+  </p:timing>
 </p:sld>
 </file>
 
@@ -3767,7 +3791,7 @@
         </p:nvGrpSpPr>
         <p:grpSpPr>
           <a:xfrm>
-            <a:off x="501804" y="5252814"/>
+            <a:off x="501804" y="4653136"/>
             <a:ext cx="7648967" cy="552450"/>
             <a:chOff x="501804" y="5468838"/>
             <a:chExt cx="7648967" cy="552450"/>
@@ -3856,6 +3880,85 @@
               <a:t>Formula calculator</a:t>
             </a:r>
             <a:endParaRPr lang="zh-CN" altLang="en-US" dirty="0"/>
+          </a:p>
+        </p:txBody>
+      </p:sp>
+      <p:sp>
+        <p:nvSpPr>
+          <p:cNvPr id="11" name="TextBox 10"/>
+          <p:cNvSpPr txBox="1"/>
+          <p:nvPr/>
+        </p:nvSpPr>
+        <p:spPr>
+          <a:xfrm>
+            <a:off x="1324297" y="5877272"/>
+            <a:ext cx="6268960" cy="461665"/>
+          </a:xfrm>
+          <a:prstGeom prst="rect">
+            <a:avLst/>
+          </a:prstGeom>
+          <a:noFill/>
+        </p:spPr>
+        <p:txBody>
+          <a:bodyPr wrap="none" rtlCol="0">
+            <a:spAutoFit/>
+          </a:bodyPr>
+          <a:lstStyle/>
+          <a:p>
+            <a:r>
+              <a:rPr lang="en-US" altLang="zh-CN" sz="2400" dirty="0" smtClean="0">
+                <a:solidFill>
+                  <a:srgbClr val="FF0000"/>
+                </a:solidFill>
+              </a:rPr>
+              <a:t>* Note: </a:t>
+            </a:r>
+            <a:r>
+              <a:rPr lang="en-US" altLang="zh-CN" sz="2400" dirty="0" smtClean="0">
+                <a:solidFill>
+                  <a:srgbClr val="FF0000"/>
+                </a:solidFill>
+              </a:rPr>
+              <a:t>Python </a:t>
+            </a:r>
+            <a:r>
+              <a:rPr lang="en-US" altLang="zh-CN" sz="2400" dirty="0" smtClean="0">
+                <a:solidFill>
+                  <a:srgbClr val="FF0000"/>
+                </a:solidFill>
+              </a:rPr>
+              <a:t>2 </a:t>
+            </a:r>
+            <a:r>
+              <a:rPr lang="en-US" altLang="zh-CN" sz="2400" dirty="0" err="1" smtClean="0">
+                <a:solidFill>
+                  <a:srgbClr val="FF0000"/>
+                </a:solidFill>
+              </a:rPr>
+              <a:t>vs</a:t>
+            </a:r>
+            <a:r>
+              <a:rPr lang="en-US" altLang="zh-CN" sz="2400" dirty="0" smtClean="0">
+                <a:solidFill>
+                  <a:srgbClr val="FF0000"/>
+                </a:solidFill>
+              </a:rPr>
+              <a:t> Python 3: print A </a:t>
+            </a:r>
+            <a:r>
+              <a:rPr lang="en-US" altLang="zh-CN" sz="2400" dirty="0" smtClean="0">
+                <a:solidFill>
+                  <a:srgbClr val="FF0000"/>
+                </a:solidFill>
+                <a:sym typeface="Wingdings" pitchFamily="2" charset="2"/>
+              </a:rPr>
+              <a:t> print(A)</a:t>
+            </a:r>
+            <a:endParaRPr lang="zh-CN" altLang="en-US" sz="2400" dirty="0">
+              <a:solidFill>
+                <a:srgbClr val="FF0000"/>
+              </a:solidFill>
+            </a:endParaRPr>
           </a:p>
         </p:txBody>
       </p:sp>
@@ -4581,7 +4684,7 @@
       </p:grpSpPr>
       <p:pic>
         <p:nvPicPr>
-          <p:cNvPr id="7170" name="Picture 2"/>
+          <p:cNvPr id="8195" name="Picture 3"/>
           <p:cNvPicPr>
             <a:picLocks noChangeAspect="1" noChangeArrowheads="1"/>
           </p:cNvPicPr>
@@ -4596,8 +4699,8 @@
         </p:blipFill>
         <p:spPr bwMode="auto">
           <a:xfrm>
-            <a:off x="-1" y="2276872"/>
-            <a:ext cx="9033823" cy="2526903"/>
+            <a:off x="323528" y="620688"/>
+            <a:ext cx="8359149" cy="5343748"/>
           </a:xfrm>
           <a:prstGeom prst="rect">
             <a:avLst/>

--- a/slides/Python course 1_formula.pptx
+++ b/slides/Python course 1_formula.pptx
@@ -3112,7 +3112,11 @@
           <a:p>
             <a:r>
               <a:rPr lang="en-US" altLang="zh-CN" dirty="0" smtClean="0"/>
-              <a:t>First glance</a:t>
+              <a:t>First </a:t>
+            </a:r>
+            <a:r>
+              <a:rPr lang="en-US" altLang="zh-CN" dirty="0" smtClean="0"/>
+              <a:t>glance: formula calculation</a:t>
             </a:r>
             <a:endParaRPr lang="zh-CN" altLang="en-US" dirty="0"/>
           </a:p>
@@ -3911,23 +3915,7 @@
                   <a:srgbClr val="FF0000"/>
                 </a:solidFill>
               </a:rPr>
-              <a:t>* Note: </a:t>
-            </a:r>
-            <a:r>
-              <a:rPr lang="en-US" altLang="zh-CN" sz="2400" dirty="0" smtClean="0">
-                <a:solidFill>
-                  <a:srgbClr val="FF0000"/>
-                </a:solidFill>
-              </a:rPr>
-              <a:t>Python </a:t>
-            </a:r>
-            <a:r>
-              <a:rPr lang="en-US" altLang="zh-CN" sz="2400" dirty="0" smtClean="0">
-                <a:solidFill>
-                  <a:srgbClr val="FF0000"/>
-                </a:solidFill>
-              </a:rPr>
-              <a:t>2 </a:t>
+              <a:t>* Note: Python 2 </a:t>
             </a:r>
             <a:r>
               <a:rPr lang="en-US" altLang="zh-CN" sz="2400" dirty="0" err="1" smtClean="0">
